--- a/実験結果/卒論発表_13H023修.pptx
+++ b/実験結果/卒論発表_13H023修.pptx
@@ -231,7 +231,7 @@
           <a:p>
             <a:fld id="{B230FB42-B2C6-3A41-AD8C-BEA2E3623105}" type="datetimeFigureOut">
               <a:rPr kumimoji="1" lang="ja-JP" altLang="en-US" smtClean="0"/>
-              <a:t>2017/2/1</a:t>
+              <a:t>2017/2/2</a:t>
             </a:fld>
             <a:endParaRPr kumimoji="1" lang="ja-JP" altLang="en-US"/>
           </a:p>
@@ -790,38 +790,11 @@
             </a:r>
             <a:r>
               <a:rPr kumimoji="1" lang="ja-JP" altLang="en-US" dirty="0" smtClean="0"/>
-              <a:t>回試行しました。</a:t>
-            </a:r>
-            <a:endParaRPr kumimoji="1" lang="en-US" altLang="ja-JP" dirty="0" smtClean="0"/>
-          </a:p>
-          <a:p>
+              <a:t>回試行しました</a:t>
+            </a:r>
             <a:r>
               <a:rPr kumimoji="1" lang="ja-JP" altLang="en-US" dirty="0" smtClean="0"/>
-              <a:t>今回、時間の関係上、アリ数</a:t>
-            </a:r>
-            <a:r>
-              <a:rPr kumimoji="1" lang="en-US" altLang="ja-JP" dirty="0" smtClean="0"/>
-              <a:t>50</a:t>
-            </a:r>
-            <a:r>
-              <a:rPr kumimoji="1" lang="ja-JP" altLang="en-US" dirty="0" smtClean="0"/>
-              <a:t>、世代数</a:t>
-            </a:r>
-            <a:r>
-              <a:rPr kumimoji="1" lang="en-US" altLang="ja-JP" dirty="0" smtClean="0"/>
-              <a:t>10000</a:t>
-            </a:r>
-            <a:r>
-              <a:rPr kumimoji="1" lang="ja-JP" altLang="en-US" dirty="0" smtClean="0"/>
-              <a:t>、基本蒸発率</a:t>
-            </a:r>
-            <a:r>
-              <a:rPr kumimoji="1" lang="en-US" altLang="ja-JP" dirty="0" smtClean="0"/>
-              <a:t>0.01</a:t>
-            </a:r>
-            <a:r>
-              <a:rPr kumimoji="1" lang="ja-JP" altLang="en-US" dirty="0" smtClean="0"/>
-              <a:t>の結果のみ紹介します。</a:t>
+              <a:t>。</a:t>
             </a:r>
             <a:endParaRPr kumimoji="1" lang="en-US" altLang="ja-JP" dirty="0"/>
           </a:p>
@@ -1343,7 +1316,26 @@
           <a:p>
             <a:r>
               <a:rPr kumimoji="1" lang="ja-JP" altLang="en-US" dirty="0" smtClean="0"/>
-              <a:t>こちらは</a:t>
+              <a:t>まず蒸発率</a:t>
+            </a:r>
+            <a:r>
+              <a:rPr kumimoji="1" lang="en-US" altLang="ja-JP" dirty="0" smtClean="0"/>
+              <a:t>0.05</a:t>
+            </a:r>
+            <a:r>
+              <a:rPr kumimoji="1" lang="ja-JP" altLang="en-US" dirty="0" smtClean="0"/>
+              <a:t>の結果です。</a:t>
+            </a:r>
+            <a:endParaRPr kumimoji="1" lang="en-US" altLang="ja-JP" dirty="0" smtClean="0"/>
+          </a:p>
+          <a:p>
+            <a:r>
+              <a:rPr kumimoji="1" lang="ja-JP" altLang="en-US" dirty="0" smtClean="0"/>
+              <a:t>こちら</a:t>
+            </a:r>
+            <a:r>
+              <a:rPr kumimoji="1" lang="ja-JP" altLang="en-US" dirty="0" smtClean="0"/>
+              <a:t>は</a:t>
             </a:r>
             <a:r>
               <a:rPr kumimoji="1" lang="en-US" altLang="ja-JP" dirty="0" smtClean="0"/>
@@ -1351,26 +1343,14 @@
             </a:r>
             <a:r>
               <a:rPr kumimoji="1" lang="ja-JP" altLang="en-US" dirty="0" smtClean="0"/>
-              <a:t>回試行したときの、それぞれの試行ごとの最良</a:t>
-            </a:r>
+              <a:t>回試行したときの、それぞれの試行ごとの最良評価値の出現頻度です。</a:t>
+            </a:r>
+            <a:endParaRPr kumimoji="1" lang="en-US" altLang="ja-JP" dirty="0" smtClean="0"/>
+          </a:p>
+          <a:p>
             <a:r>
               <a:rPr kumimoji="1" lang="ja-JP" altLang="en-US" dirty="0" smtClean="0"/>
-              <a:t>評価値の出現頻度です</a:t>
-            </a:r>
-            <a:r>
-              <a:rPr kumimoji="1" lang="ja-JP" altLang="en-US" dirty="0" smtClean="0"/>
-              <a:t>。</a:t>
-            </a:r>
-            <a:endParaRPr kumimoji="1" lang="en-US" altLang="ja-JP" dirty="0" smtClean="0"/>
-          </a:p>
-          <a:p>
-            <a:r>
-              <a:rPr kumimoji="1" lang="ja-JP" altLang="en-US" dirty="0" smtClean="0"/>
-              <a:t>また右上にあるのはその最良評価値の、最小値、最大値、平均値になります</a:t>
-            </a:r>
-            <a:r>
-              <a:rPr kumimoji="1" lang="ja-JP" altLang="en-US" dirty="0" smtClean="0"/>
-              <a:t>。</a:t>
+              <a:t>また右上にあるのはその最良評価値の、最小値、最大値、平均値になります。</a:t>
             </a:r>
             <a:endParaRPr kumimoji="1" lang="en-US" altLang="ja-JP" dirty="0" smtClean="0"/>
           </a:p>
@@ -1455,7 +1435,18 @@
           <a:p>
             <a:r>
               <a:rPr kumimoji="1" lang="ja-JP" altLang="en-US" dirty="0" smtClean="0"/>
-              <a:t>縦軸と横軸の説明</a:t>
+              <a:t>縦軸と横軸の</a:t>
+            </a:r>
+            <a:r>
+              <a:rPr kumimoji="1" lang="ja-JP" altLang="en-US" dirty="0" smtClean="0"/>
+              <a:t>説明</a:t>
+            </a:r>
+            <a:endParaRPr kumimoji="1" lang="en-US" altLang="ja-JP" dirty="0" smtClean="0"/>
+          </a:p>
+          <a:p>
+            <a:r>
+              <a:rPr kumimoji="1" lang="ja-JP" altLang="en-US" dirty="0" smtClean="0"/>
+              <a:t>値が小さければ良い結果となります</a:t>
             </a:r>
             <a:endParaRPr kumimoji="1" lang="en-US" altLang="ja-JP" dirty="0" smtClean="0"/>
           </a:p>
@@ -2081,8 +2072,36 @@
             </a:pPr>
             <a:r>
               <a:rPr lang="ja-JP" altLang="en-US" sz="1200" dirty="0" smtClean="0"/>
-              <a:t>こちらでは蒸発率が</a:t>
-            </a:r>
+              <a:t>次に蒸発率が</a:t>
+            </a:r>
+            <a:r>
+              <a:rPr lang="en-US" altLang="ja-JP" sz="1200" dirty="0" smtClean="0"/>
+              <a:t>0.01</a:t>
+            </a:r>
+            <a:r>
+              <a:rPr lang="ja-JP" altLang="en-US" sz="1200" dirty="0" smtClean="0"/>
+              <a:t>の結果です。</a:t>
+            </a:r>
+            <a:endParaRPr lang="en-US" altLang="ja-JP" sz="1200" dirty="0" smtClean="0"/>
+          </a:p>
+          <a:p>
+            <a:pPr marL="0" marR="0" lvl="0" indent="0" algn="l" defTabSz="914400" rtl="0" eaLnBrk="1" fontAlgn="auto" latinLnBrk="0" hangingPunct="1">
+              <a:lnSpc>
+                <a:spcPct val="100000"/>
+              </a:lnSpc>
+              <a:spcBef>
+                <a:spcPts val="0"/>
+              </a:spcBef>
+              <a:spcAft>
+                <a:spcPts val="0"/>
+              </a:spcAft>
+              <a:buClrTx/>
+              <a:buSzTx/>
+              <a:buFontTx/>
+              <a:buNone/>
+              <a:tabLst/>
+              <a:defRPr/>
+            </a:pPr>
             <a:r>
               <a:rPr lang="en-US" altLang="ja-JP" sz="1200" dirty="0" smtClean="0"/>
               <a:t>0.05</a:t>
@@ -2241,15 +2260,7 @@
             </a:pPr>
             <a:r>
               <a:rPr kumimoji="1" lang="ja-JP" altLang="en-US" dirty="0" smtClean="0"/>
-              <a:t>配置</a:t>
-            </a:r>
-            <a:r>
-              <a:rPr kumimoji="1" lang="ja-JP" altLang="en-US" dirty="0" smtClean="0"/>
-              <a:t>の</a:t>
-            </a:r>
-            <a:r>
-              <a:rPr kumimoji="1" lang="ja-JP" altLang="en-US" dirty="0" smtClean="0"/>
-              <a:t>考察</a:t>
+              <a:t>配置の考察</a:t>
             </a:r>
             <a:endParaRPr kumimoji="1" lang="en-US" altLang="ja-JP" dirty="0" smtClean="0"/>
           </a:p>
@@ -2370,11 +2381,7 @@
           <a:p>
             <a:r>
               <a:rPr kumimoji="1" lang="ja-JP" altLang="en-US" dirty="0" smtClean="0"/>
-              <a:t>容量</a:t>
-            </a:r>
-            <a:r>
-              <a:rPr kumimoji="1" lang="ja-JP" altLang="en-US" dirty="0" smtClean="0"/>
-              <a:t>制約がない場合</a:t>
+              <a:t>容量制約がない場合</a:t>
             </a:r>
             <a:endParaRPr kumimoji="1" lang="ja-JP" altLang="en-US" dirty="0"/>
           </a:p>
@@ -2821,7 +2828,18 @@
           <a:p>
             <a:r>
               <a:rPr kumimoji="1" lang="ja-JP" altLang="en-US" dirty="0" smtClean="0"/>
-              <a:t>出現回数のほうでは先ほどの容量制約ありの結果と比べると、</a:t>
+              <a:t>まず、処理完了時間が大きく減少していることがわかります</a:t>
+            </a:r>
+            <a:endParaRPr kumimoji="1" lang="en-US" altLang="ja-JP" dirty="0" smtClean="0"/>
+          </a:p>
+          <a:p>
+            <a:r>
+              <a:rPr kumimoji="1" lang="ja-JP" altLang="en-US" dirty="0" smtClean="0"/>
+              <a:t>出現回数では</a:t>
+            </a:r>
+            <a:r>
+              <a:rPr kumimoji="1" lang="ja-JP" altLang="en-US" dirty="0" smtClean="0"/>
+              <a:t>先ほどの容量制約ありの結果と比べると、</a:t>
             </a:r>
             <a:r>
               <a:rPr kumimoji="1" lang="en-US" altLang="ja-JP" dirty="0" smtClean="0"/>
@@ -2837,7 +2855,23 @@
             </a:r>
             <a:r>
               <a:rPr kumimoji="1" lang="ja-JP" altLang="en-US" dirty="0" smtClean="0"/>
-              <a:t>の結果がよくなっています。</a:t>
+              <a:t>の結果</a:t>
+            </a:r>
+            <a:r>
+              <a:rPr kumimoji="1" lang="ja-JP" altLang="en-US" dirty="0" smtClean="0"/>
+              <a:t>が他の</a:t>
+            </a:r>
+            <a:r>
+              <a:rPr kumimoji="1" lang="en-US" altLang="ja-JP" dirty="0" smtClean="0"/>
+              <a:t>2</a:t>
+            </a:r>
+            <a:r>
+              <a:rPr kumimoji="1" lang="ja-JP" altLang="en-US" dirty="0" smtClean="0"/>
+              <a:t>つよりよく</a:t>
+            </a:r>
+            <a:r>
+              <a:rPr kumimoji="1" lang="ja-JP" altLang="en-US" dirty="0" smtClean="0"/>
+              <a:t>なっています。</a:t>
             </a:r>
             <a:endParaRPr kumimoji="1" lang="en-US" altLang="ja-JP" dirty="0" smtClean="0"/>
           </a:p>
@@ -2847,7 +2881,15 @@
           <a:p>
             <a:r>
               <a:rPr kumimoji="1" lang="ja-JP" altLang="en-US" dirty="0" smtClean="0"/>
-              <a:t>平均値でも一番良い結果が</a:t>
+              <a:t>平均値</a:t>
+            </a:r>
+            <a:r>
+              <a:rPr kumimoji="1" lang="ja-JP" altLang="en-US" dirty="0" smtClean="0"/>
+              <a:t>では一番</a:t>
+            </a:r>
+            <a:r>
+              <a:rPr kumimoji="1" lang="ja-JP" altLang="en-US" dirty="0" smtClean="0"/>
+              <a:t>良い結果が</a:t>
             </a:r>
             <a:r>
               <a:rPr kumimoji="1" lang="en-US" altLang="ja-JP" dirty="0" smtClean="0"/>
@@ -3258,7 +3300,11 @@
             </a:r>
             <a:r>
               <a:rPr kumimoji="1" lang="ja-JP" altLang="en-US" dirty="0" smtClean="0"/>
-              <a:t>法の改良をします</a:t>
+              <a:t>法の改良</a:t>
+            </a:r>
+            <a:r>
+              <a:rPr kumimoji="1" lang="ja-JP" altLang="en-US" dirty="0" smtClean="0"/>
+              <a:t>を行います。</a:t>
             </a:r>
             <a:endParaRPr kumimoji="1" lang="en-US" altLang="ja-JP" dirty="0"/>
           </a:p>
@@ -4187,14 +4233,26 @@
           <a:p>
             <a:r>
               <a:rPr kumimoji="1" lang="ja-JP" altLang="en-US" dirty="0" smtClean="0"/>
-              <a:t>そのタスクにはそれぞれ処理量が定めます。</a:t>
+              <a:t>そのタスク</a:t>
+            </a:r>
+            <a:r>
+              <a:rPr kumimoji="1" lang="ja-JP" altLang="en-US" dirty="0" smtClean="0"/>
+              <a:t>にはそれぞれ処理量が</a:t>
+            </a:r>
+            <a:r>
+              <a:rPr kumimoji="1" lang="ja-JP" altLang="en-US" dirty="0" smtClean="0"/>
+              <a:t>定められています。</a:t>
             </a:r>
             <a:endParaRPr kumimoji="1" lang="en-US" altLang="ja-JP" dirty="0" smtClean="0"/>
           </a:p>
           <a:p>
             <a:r>
               <a:rPr kumimoji="1" lang="ja-JP" altLang="en-US" dirty="0" smtClean="0"/>
-              <a:t>また、マシンにもそれぞれに処理能力を定めます。</a:t>
+              <a:t>また、マシンにもそれぞれに処理能力を</a:t>
+            </a:r>
+            <a:r>
+              <a:rPr kumimoji="1" lang="ja-JP" altLang="en-US" dirty="0" smtClean="0"/>
+              <a:t>定められています。</a:t>
             </a:r>
             <a:endParaRPr kumimoji="1" lang="en-US" altLang="ja-JP" dirty="0" smtClean="0"/>
           </a:p>
@@ -4313,7 +4371,18 @@
           <a:p>
             <a:r>
               <a:rPr kumimoji="1" lang="ja-JP" altLang="en-US" dirty="0" smtClean="0"/>
-              <a:t>先行制約と容量制約について、</a:t>
+              <a:t>先行制約と容量制約について</a:t>
+            </a:r>
+            <a:r>
+              <a:rPr kumimoji="1" lang="ja-JP" altLang="en-US" dirty="0" smtClean="0"/>
+              <a:t>、</a:t>
+            </a:r>
+            <a:endParaRPr kumimoji="1" lang="en-US" altLang="ja-JP" dirty="0" smtClean="0"/>
+          </a:p>
+          <a:p>
+            <a:r>
+              <a:rPr kumimoji="1" lang="ja-JP" altLang="en-US" dirty="0" smtClean="0"/>
+              <a:t>先行制約について</a:t>
             </a:r>
             <a:endParaRPr kumimoji="1" lang="en-US" altLang="ja-JP" dirty="0" smtClean="0"/>
           </a:p>
@@ -4396,7 +4465,15 @@
             </a:pPr>
             <a:r>
               <a:rPr kumimoji="1" lang="ja-JP" altLang="en-US" dirty="0" smtClean="0"/>
-              <a:t>という階層構造を制約条件といいます</a:t>
+              <a:t>という階層構造</a:t>
+            </a:r>
+            <a:r>
+              <a:rPr kumimoji="1" lang="ja-JP" altLang="en-US" dirty="0" smtClean="0"/>
+              <a:t>を先行制約とい</a:t>
+            </a:r>
+            <a:r>
+              <a:rPr kumimoji="1" lang="ja-JP" altLang="en-US" dirty="0" smtClean="0"/>
+              <a:t>います</a:t>
             </a:r>
             <a:endParaRPr kumimoji="1" lang="en-US" altLang="ja-JP" dirty="0" smtClean="0"/>
           </a:p>
@@ -4548,7 +4625,11 @@
           <a:p>
             <a:r>
               <a:rPr kumimoji="1" lang="ja-JP" altLang="en-US" dirty="0" smtClean="0"/>
-              <a:t>解の候補をノード空間で表現し</a:t>
+              <a:t>本研究では解</a:t>
+            </a:r>
+            <a:r>
+              <a:rPr kumimoji="1" lang="ja-JP" altLang="en-US" dirty="0" smtClean="0"/>
+              <a:t>の候補をノード空間で表現し</a:t>
             </a:r>
             <a:endParaRPr kumimoji="1" lang="en-US" altLang="ja-JP" dirty="0" smtClean="0"/>
           </a:p>
@@ -4562,11 +4643,7 @@
           <a:p>
             <a:r>
               <a:rPr kumimoji="1" lang="ja-JP" altLang="en-US" dirty="0" smtClean="0"/>
-              <a:t>配置順ノード空間では、処理</a:t>
-            </a:r>
-            <a:r>
-              <a:rPr kumimoji="1" lang="ja-JP" altLang="en-US" dirty="0" smtClean="0"/>
-              <a:t>順により決まった各ジョブのタスクの処理順に基づき、すべてのジョブのすべてのタスクを配置する順番を決める。</a:t>
+              <a:t>配置順ノード空間では、処理順により決まった各ジョブのタスクの処理順に基づき、すべてのジョブのすべてのタスクを配置する順番を決める。</a:t>
             </a:r>
             <a:endParaRPr kumimoji="1" lang="en-US" altLang="ja-JP" dirty="0" smtClean="0"/>
           </a:p>
@@ -4600,7 +4677,31 @@
             </a:pPr>
             <a:r>
               <a:rPr lang="ja-JP" altLang="en-US" sz="1200" dirty="0" smtClean="0"/>
-              <a:t>その解候補をガントチャートに表すことによって評価値として処理時間がわかります</a:t>
+              <a:t>その解候補をガントチャートに表すことによって評価値として</a:t>
+            </a:r>
+            <a:r>
+              <a:rPr lang="ja-JP" altLang="en-US" sz="1200" dirty="0" smtClean="0"/>
+              <a:t>処理</a:t>
+            </a:r>
+            <a:r>
+              <a:rPr lang="en-US" altLang="ja-JP" sz="1200" dirty="0" smtClean="0"/>
+              <a:t>(</a:t>
+            </a:r>
+            <a:r>
+              <a:rPr lang="ja-JP" altLang="en-US" sz="1200" dirty="0" smtClean="0"/>
+              <a:t>完了</a:t>
+            </a:r>
+            <a:r>
+              <a:rPr lang="en-US" altLang="ja-JP" sz="1200" dirty="0" smtClean="0"/>
+              <a:t>)</a:t>
+            </a:r>
+            <a:r>
+              <a:rPr lang="ja-JP" altLang="en-US" sz="1200" dirty="0" smtClean="0"/>
+              <a:t>時間</a:t>
+            </a:r>
+            <a:r>
+              <a:rPr lang="ja-JP" altLang="en-US" sz="1200" dirty="0" smtClean="0"/>
+              <a:t>がわかります</a:t>
             </a:r>
             <a:endParaRPr lang="en-US" altLang="ja-JP" sz="1200" dirty="0" smtClean="0"/>
           </a:p>
@@ -4675,7 +4776,11 @@
           <a:p>
             <a:r>
               <a:rPr kumimoji="1" lang="ja-JP" altLang="en-US" sz="1200" dirty="0" smtClean="0"/>
-              <a:t>今回はフェロモンの蒸発の改良を行います。</a:t>
+              <a:t>今回の研究では</a:t>
+            </a:r>
+            <a:r>
+              <a:rPr kumimoji="1" lang="ja-JP" altLang="en-US" sz="1200" dirty="0" smtClean="0"/>
+              <a:t>フェロモンの蒸発の改良を行います。</a:t>
             </a:r>
             <a:endParaRPr kumimoji="1" lang="ja-JP" altLang="en-US" dirty="0"/>
           </a:p>
@@ -4824,15 +4929,15 @@
             </a:pPr>
             <a:r>
               <a:rPr kumimoji="1" lang="ja-JP" altLang="en-US" dirty="0" smtClean="0"/>
-              <a:t>従来の方法では、選択されることのないノードでも蒸発を行ってきたのですが、今回は、選択されることのないノードでは、</a:t>
+              <a:t>従来の方法では</a:t>
             </a:r>
             <a:r>
               <a:rPr kumimoji="1" lang="ja-JP" altLang="en-US" dirty="0" smtClean="0"/>
-              <a:t>蒸発率を下げるように</a:t>
+              <a:t>、制約条件によって選択</a:t>
             </a:r>
             <a:r>
               <a:rPr kumimoji="1" lang="ja-JP" altLang="en-US" dirty="0" smtClean="0"/>
-              <a:t>変更しました。</a:t>
+              <a:t>されることのないノードでも蒸発を行ってきたのですが、今回は、選択されることのないノードでは、蒸発率を下げるように変更しました。</a:t>
             </a:r>
             <a:endParaRPr kumimoji="1" lang="en-US" altLang="ja-JP" dirty="0" smtClean="0"/>
           </a:p>
@@ -4876,15 +4981,7 @@
             </a:pPr>
             <a:r>
               <a:rPr kumimoji="1" lang="ja-JP" altLang="en-US" dirty="0" smtClean="0"/>
-              <a:t>今回の数値実験は、</a:t>
-            </a:r>
-            <a:r>
-              <a:rPr kumimoji="1" lang="ja-JP" altLang="en-US" dirty="0" smtClean="0"/>
-              <a:t>この蒸発率を動的に変更することにより</a:t>
-            </a:r>
-            <a:r>
-              <a:rPr kumimoji="1" lang="ja-JP" altLang="en-US" dirty="0" smtClean="0"/>
-              <a:t>、どのような変化があるかを見ることを検証します。</a:t>
+              <a:t>今回の数値実験は、この蒸発率を動的に変更することにより、どのような変化があるかを見ることを検証します。</a:t>
             </a:r>
           </a:p>
           <a:p>
@@ -5232,31 +5329,7 @@
                 <a:ea typeface="+mn-ea"/>
                 <a:cs typeface="+mn-cs"/>
               </a:rPr>
-              <a:t>マシンの処理速度，容量に関してもそれぞれ，処理速度は</a:t>
-            </a:r>
-            <a:r>
-              <a:rPr kumimoji="1" lang="en-US" altLang="ja-JP" sz="1200" kern="1200" dirty="0" smtClean="0">
-                <a:solidFill>
-                  <a:schemeClr val="tx1"/>
-                </a:solidFill>
-                <a:effectLst/>
-                <a:latin typeface="+mn-lt"/>
-                <a:ea typeface="+mn-ea"/>
-                <a:cs typeface="+mn-cs"/>
-              </a:rPr>
-              <a:t>60~100</a:t>
-            </a:r>
-            <a:r>
-              <a:rPr kumimoji="1" lang="ja-JP" altLang="ja-JP" sz="1200" kern="1200" dirty="0" err="1" smtClean="0">
-                <a:solidFill>
-                  <a:schemeClr val="tx1"/>
-                </a:solidFill>
-                <a:effectLst/>
-                <a:latin typeface="+mn-lt"/>
-                <a:ea typeface="+mn-ea"/>
-                <a:cs typeface="+mn-cs"/>
-              </a:rPr>
-              <a:t>，</a:t>
+              <a:t>マシンの処理速度，</a:t>
             </a:r>
             <a:r>
               <a:rPr kumimoji="1" lang="ja-JP" altLang="ja-JP" sz="1200" kern="1200" dirty="0" smtClean="0">
@@ -5268,7 +5341,43 @@
                 <a:ea typeface="+mn-ea"/>
                 <a:cs typeface="+mn-cs"/>
               </a:rPr>
-              <a:t>容量も</a:t>
+              <a:t>容量</a:t>
+            </a:r>
+            <a:r>
+              <a:rPr kumimoji="1" lang="ja-JP" altLang="en-US" sz="1200" kern="1200" dirty="0" smtClean="0">
+                <a:solidFill>
+                  <a:schemeClr val="tx1"/>
+                </a:solidFill>
+                <a:effectLst/>
+                <a:latin typeface="+mn-lt"/>
+                <a:ea typeface="+mn-ea"/>
+                <a:cs typeface="+mn-cs"/>
+              </a:rPr>
+              <a:t>は</a:t>
+            </a:r>
+            <a:r>
+              <a:rPr kumimoji="1" lang="ja-JP" altLang="ja-JP" sz="1200" kern="1200" dirty="0" smtClean="0">
+                <a:solidFill>
+                  <a:schemeClr val="tx1"/>
+                </a:solidFill>
+                <a:effectLst/>
+                <a:latin typeface="+mn-lt"/>
+                <a:ea typeface="+mn-ea"/>
+                <a:cs typeface="+mn-cs"/>
+              </a:rPr>
+              <a:t>それぞれ</a:t>
+            </a:r>
+            <a:r>
+              <a:rPr kumimoji="1" lang="ja-JP" altLang="en-US" sz="1200" kern="1200" dirty="0" smtClean="0">
+                <a:solidFill>
+                  <a:schemeClr val="tx1"/>
+                </a:solidFill>
+                <a:effectLst/>
+                <a:latin typeface="+mn-lt"/>
+                <a:ea typeface="+mn-ea"/>
+                <a:cs typeface="+mn-cs"/>
+              </a:rPr>
+              <a:t>を</a:t>
             </a:r>
             <a:r>
               <a:rPr kumimoji="1" lang="en-US" altLang="ja-JP" sz="1200" kern="1200" dirty="0" smtClean="0">
@@ -5859,7 +5968,7 @@
           <a:p>
             <a:fld id="{EDDFDD5E-F29A-2047-B8B1-C7CA013B3F78}" type="datetimeFigureOut">
               <a:rPr kumimoji="1" lang="ja-JP" altLang="en-US" smtClean="0"/>
-              <a:t>2017/2/1</a:t>
+              <a:t>2017/2/2</a:t>
             </a:fld>
             <a:endParaRPr kumimoji="1" lang="ja-JP" altLang="en-US"/>
           </a:p>
@@ -6066,7 +6175,7 @@
           <a:p>
             <a:fld id="{EDDFDD5E-F29A-2047-B8B1-C7CA013B3F78}" type="datetimeFigureOut">
               <a:rPr kumimoji="1" lang="ja-JP" altLang="en-US" smtClean="0"/>
-              <a:t>2017/2/1</a:t>
+              <a:t>2017/2/2</a:t>
             </a:fld>
             <a:endParaRPr kumimoji="1" lang="ja-JP" altLang="en-US"/>
           </a:p>
@@ -6274,7 +6383,7 @@
           <a:p>
             <a:fld id="{EDDFDD5E-F29A-2047-B8B1-C7CA013B3F78}" type="datetimeFigureOut">
               <a:rPr kumimoji="1" lang="ja-JP" altLang="en-US" smtClean="0"/>
-              <a:t>2017/2/1</a:t>
+              <a:t>2017/2/2</a:t>
             </a:fld>
             <a:endParaRPr kumimoji="1" lang="ja-JP" altLang="en-US"/>
           </a:p>
@@ -6472,7 +6581,7 @@
           <a:p>
             <a:fld id="{EDDFDD5E-F29A-2047-B8B1-C7CA013B3F78}" type="datetimeFigureOut">
               <a:rPr kumimoji="1" lang="ja-JP" altLang="en-US" smtClean="0"/>
-              <a:t>2017/2/1</a:t>
+              <a:t>2017/2/2</a:t>
             </a:fld>
             <a:endParaRPr kumimoji="1" lang="ja-JP" altLang="en-US"/>
           </a:p>
@@ -6789,7 +6898,7 @@
           <a:p>
             <a:fld id="{EDDFDD5E-F29A-2047-B8B1-C7CA013B3F78}" type="datetimeFigureOut">
               <a:rPr kumimoji="1" lang="ja-JP" altLang="en-US" smtClean="0"/>
-              <a:t>2017/2/1</a:t>
+              <a:t>2017/2/2</a:t>
             </a:fld>
             <a:endParaRPr kumimoji="1" lang="ja-JP" altLang="en-US"/>
           </a:p>
@@ -7309,7 +7418,7 @@
           <a:p>
             <a:fld id="{EDDFDD5E-F29A-2047-B8B1-C7CA013B3F78}" type="datetimeFigureOut">
               <a:rPr kumimoji="1" lang="ja-JP" altLang="en-US" smtClean="0"/>
-              <a:t>2017/2/1</a:t>
+              <a:t>2017/2/2</a:t>
             </a:fld>
             <a:endParaRPr kumimoji="1" lang="ja-JP" altLang="en-US"/>
           </a:p>
@@ -7780,7 +7889,7 @@
           <a:p>
             <a:fld id="{EDDFDD5E-F29A-2047-B8B1-C7CA013B3F78}" type="datetimeFigureOut">
               <a:rPr kumimoji="1" lang="ja-JP" altLang="en-US" smtClean="0"/>
-              <a:t>2017/2/1</a:t>
+              <a:t>2017/2/2</a:t>
             </a:fld>
             <a:endParaRPr kumimoji="1" lang="ja-JP" altLang="en-US"/>
           </a:p>
@@ -7894,7 +8003,7 @@
           <a:p>
             <a:fld id="{EDDFDD5E-F29A-2047-B8B1-C7CA013B3F78}" type="datetimeFigureOut">
               <a:rPr kumimoji="1" lang="ja-JP" altLang="en-US" smtClean="0"/>
-              <a:t>2017/2/1</a:t>
+              <a:t>2017/2/2</a:t>
             </a:fld>
             <a:endParaRPr kumimoji="1" lang="ja-JP" altLang="en-US"/>
           </a:p>
@@ -8008,7 +8117,7 @@
           <a:p>
             <a:fld id="{EDDFDD5E-F29A-2047-B8B1-C7CA013B3F78}" type="datetimeFigureOut">
               <a:rPr kumimoji="1" lang="ja-JP" altLang="en-US" smtClean="0"/>
-              <a:t>2017/2/1</a:t>
+              <a:t>2017/2/2</a:t>
             </a:fld>
             <a:endParaRPr kumimoji="1" lang="ja-JP" altLang="en-US"/>
           </a:p>
@@ -8394,7 +8503,7 @@
           <a:p>
             <a:fld id="{EDDFDD5E-F29A-2047-B8B1-C7CA013B3F78}" type="datetimeFigureOut">
               <a:rPr kumimoji="1" lang="ja-JP" altLang="en-US" smtClean="0"/>
-              <a:t>2017/2/1</a:t>
+              <a:t>2017/2/2</a:t>
             </a:fld>
             <a:endParaRPr kumimoji="1" lang="ja-JP" altLang="en-US"/>
           </a:p>
@@ -8897,7 +9006,7 @@
           <a:p>
             <a:fld id="{EDDFDD5E-F29A-2047-B8B1-C7CA013B3F78}" type="datetimeFigureOut">
               <a:rPr kumimoji="1" lang="ja-JP" altLang="en-US" smtClean="0"/>
-              <a:t>2017/2/1</a:t>
+              <a:t>2017/2/2</a:t>
             </a:fld>
             <a:endParaRPr kumimoji="1" lang="ja-JP" altLang="en-US"/>
           </a:p>
@@ -9280,7 +9389,7 @@
           <a:p>
             <a:fld id="{EDDFDD5E-F29A-2047-B8B1-C7CA013B3F78}" type="datetimeFigureOut">
               <a:rPr kumimoji="1" lang="ja-JP" altLang="en-US" smtClean="0"/>
-              <a:t>2017/2/1</a:t>
+              <a:t>2017/2/2</a:t>
             </a:fld>
             <a:endParaRPr kumimoji="1" lang="ja-JP" altLang="en-US"/>
           </a:p>
@@ -10240,14 +10349,14 @@
                 <a:gridCol w="4064000">
                   <a:extLst>
                     <a:ext uri="{9D8B030D-6E8A-4147-A177-3AD203B41FA5}">
-                      <a16:colId xmlns="" xmlns:a16="http://schemas.microsoft.com/office/drawing/2014/main" val="20000"/>
+                      <a16:colId xmlns:a16="http://schemas.microsoft.com/office/drawing/2014/main" xmlns="" val="20000"/>
                     </a:ext>
                   </a:extLst>
                 </a:gridCol>
                 <a:gridCol w="4064000">
                   <a:extLst>
                     <a:ext uri="{9D8B030D-6E8A-4147-A177-3AD203B41FA5}">
-                      <a16:colId xmlns="" xmlns:a16="http://schemas.microsoft.com/office/drawing/2014/main" val="20001"/>
+                      <a16:colId xmlns:a16="http://schemas.microsoft.com/office/drawing/2014/main" xmlns="" val="20001"/>
                     </a:ext>
                   </a:extLst>
                 </a:gridCol>
@@ -10297,7 +10406,7 @@
                 </a:tc>
                 <a:extLst>
                   <a:ext uri="{0D108BD9-81ED-4DB2-BD59-A6C34878D82A}">
-                    <a16:rowId xmlns="" xmlns:a16="http://schemas.microsoft.com/office/drawing/2014/main" val="10000"/>
+                    <a16:rowId xmlns:a16="http://schemas.microsoft.com/office/drawing/2014/main" xmlns="" val="10000"/>
                   </a:ext>
                 </a:extLst>
               </a:tr>
@@ -10341,7 +10450,7 @@
                 </a:tc>
                 <a:extLst>
                   <a:ext uri="{0D108BD9-81ED-4DB2-BD59-A6C34878D82A}">
-                    <a16:rowId xmlns="" xmlns:a16="http://schemas.microsoft.com/office/drawing/2014/main" val="10001"/>
+                    <a16:rowId xmlns:a16="http://schemas.microsoft.com/office/drawing/2014/main" xmlns="" val="10001"/>
                   </a:ext>
                 </a:extLst>
               </a:tr>
@@ -10390,7 +10499,7 @@
                 </a:tc>
                 <a:extLst>
                   <a:ext uri="{0D108BD9-81ED-4DB2-BD59-A6C34878D82A}">
-                    <a16:rowId xmlns="" xmlns:a16="http://schemas.microsoft.com/office/drawing/2014/main" val="10002"/>
+                    <a16:rowId xmlns:a16="http://schemas.microsoft.com/office/drawing/2014/main" xmlns="" val="10002"/>
                   </a:ext>
                 </a:extLst>
               </a:tr>
@@ -10673,11 +10782,11 @@
   <p:clrMapOvr>
     <a:masterClrMapping/>
   </p:clrMapOvr>
-  <mc:AlternateContent xmlns:mc="http://schemas.openxmlformats.org/markup-compatibility/2006" xmlns:p14="http://schemas.microsoft.com/office/powerpoint/2010/main">
-    <mc:Choice Requires="p14">
+  <mc:AlternateContent xmlns:mc="http://schemas.openxmlformats.org/markup-compatibility/2006">
+    <mc:Choice xmlns:p14="http://schemas.microsoft.com/office/powerpoint/2010/main" Requires="p14">
       <p:transition spd="slow" p14:dur="2000"/>
     </mc:Choice>
-    <mc:Fallback xmlns="">
+    <mc:Fallback>
       <p:transition spd="slow"/>
     </mc:Fallback>
   </mc:AlternateContent>
@@ -10772,11 +10881,7 @@
             </a:r>
             <a:r>
               <a:rPr lang="ja-JP" altLang="ja-JP" dirty="0" smtClean="0"/>
-              <a:t>評価値の</a:t>
-            </a:r>
-            <a:r>
-              <a:rPr lang="ja-JP" altLang="ja-JP" dirty="0" smtClean="0"/>
-              <a:t>出現</a:t>
+              <a:t>評価値の出現</a:t>
             </a:r>
             <a:r>
               <a:rPr lang="ja-JP" altLang="en-US" dirty="0"/>
@@ -10902,28 +11007,28 @@
                 <a:gridCol w="729037">
                   <a:extLst>
                     <a:ext uri="{9D8B030D-6E8A-4147-A177-3AD203B41FA5}">
-                      <a16:colId xmlns="" xmlns:a16="http://schemas.microsoft.com/office/drawing/2014/main" val="20000"/>
+                      <a16:colId xmlns:a16="http://schemas.microsoft.com/office/drawing/2014/main" xmlns="" val="20000"/>
                     </a:ext>
                   </a:extLst>
                 </a:gridCol>
                 <a:gridCol w="486103">
                   <a:extLst>
                     <a:ext uri="{9D8B030D-6E8A-4147-A177-3AD203B41FA5}">
-                      <a16:colId xmlns="" xmlns:a16="http://schemas.microsoft.com/office/drawing/2014/main" val="20001"/>
+                      <a16:colId xmlns:a16="http://schemas.microsoft.com/office/drawing/2014/main" xmlns="" val="20001"/>
                     </a:ext>
                   </a:extLst>
                 </a:gridCol>
                 <a:gridCol w="513052">
                   <a:extLst>
                     <a:ext uri="{9D8B030D-6E8A-4147-A177-3AD203B41FA5}">
-                      <a16:colId xmlns="" xmlns:a16="http://schemas.microsoft.com/office/drawing/2014/main" val="20002"/>
+                      <a16:colId xmlns:a16="http://schemas.microsoft.com/office/drawing/2014/main" xmlns="" val="20002"/>
                     </a:ext>
                   </a:extLst>
                 </a:gridCol>
                 <a:gridCol w="864096">
                   <a:extLst>
                     <a:ext uri="{9D8B030D-6E8A-4147-A177-3AD203B41FA5}">
-                      <a16:colId xmlns="" xmlns:a16="http://schemas.microsoft.com/office/drawing/2014/main" val="20003"/>
+                      <a16:colId xmlns:a16="http://schemas.microsoft.com/office/drawing/2014/main" xmlns="" val="20003"/>
                     </a:ext>
                   </a:extLst>
                 </a:gridCol>
@@ -11035,7 +11140,7 @@
                 </a:tc>
                 <a:extLst>
                   <a:ext uri="{0D108BD9-81ED-4DB2-BD59-A6C34878D82A}">
-                    <a16:rowId xmlns="" xmlns:a16="http://schemas.microsoft.com/office/drawing/2014/main" val="10000"/>
+                    <a16:rowId xmlns:a16="http://schemas.microsoft.com/office/drawing/2014/main" xmlns="" val="10000"/>
                   </a:ext>
                 </a:extLst>
               </a:tr>
@@ -11146,7 +11251,7 @@
                 </a:tc>
                 <a:extLst>
                   <a:ext uri="{0D108BD9-81ED-4DB2-BD59-A6C34878D82A}">
-                    <a16:rowId xmlns="" xmlns:a16="http://schemas.microsoft.com/office/drawing/2014/main" val="10001"/>
+                    <a16:rowId xmlns:a16="http://schemas.microsoft.com/office/drawing/2014/main" xmlns="" val="10001"/>
                   </a:ext>
                 </a:extLst>
               </a:tr>
@@ -11257,7 +11362,7 @@
                 </a:tc>
                 <a:extLst>
                   <a:ext uri="{0D108BD9-81ED-4DB2-BD59-A6C34878D82A}">
-                    <a16:rowId xmlns="" xmlns:a16="http://schemas.microsoft.com/office/drawing/2014/main" val="10002"/>
+                    <a16:rowId xmlns:a16="http://schemas.microsoft.com/office/drawing/2014/main" xmlns="" val="10002"/>
                   </a:ext>
                 </a:extLst>
               </a:tr>
@@ -11368,7 +11473,7 @@
                 </a:tc>
                 <a:extLst>
                   <a:ext uri="{0D108BD9-81ED-4DB2-BD59-A6C34878D82A}">
-                    <a16:rowId xmlns="" xmlns:a16="http://schemas.microsoft.com/office/drawing/2014/main" val="10003"/>
+                    <a16:rowId xmlns:a16="http://schemas.microsoft.com/office/drawing/2014/main" xmlns="" val="10003"/>
                   </a:ext>
                 </a:extLst>
               </a:tr>
@@ -11479,7 +11584,7 @@
                 </a:tc>
                 <a:extLst>
                   <a:ext uri="{0D108BD9-81ED-4DB2-BD59-A6C34878D82A}">
-                    <a16:rowId xmlns="" xmlns:a16="http://schemas.microsoft.com/office/drawing/2014/main" val="10004"/>
+                    <a16:rowId xmlns:a16="http://schemas.microsoft.com/office/drawing/2014/main" xmlns="" val="10004"/>
                   </a:ext>
                 </a:extLst>
               </a:tr>
@@ -11627,11 +11732,11 @@
   <p:clrMapOvr>
     <a:masterClrMapping/>
   </p:clrMapOvr>
-  <mc:AlternateContent xmlns:mc="http://schemas.openxmlformats.org/markup-compatibility/2006">
-    <mc:Choice xmlns:p14="http://schemas.microsoft.com/office/powerpoint/2010/main" Requires="p14">
+  <mc:AlternateContent xmlns:mc="http://schemas.openxmlformats.org/markup-compatibility/2006" xmlns:p14="http://schemas.microsoft.com/office/powerpoint/2010/main">
+    <mc:Choice Requires="p14">
       <p:transition spd="slow" p14:dur="2000"/>
     </mc:Choice>
-    <mc:Fallback>
+    <mc:Fallback xmlns="">
       <p:transition spd="slow"/>
     </mc:Fallback>
   </mc:AlternateContent>
@@ -12162,11 +12267,7 @@
             </a:r>
             <a:r>
               <a:rPr lang="ja-JP" altLang="ja-JP" dirty="0" smtClean="0"/>
-              <a:t>評価値の</a:t>
-            </a:r>
-            <a:r>
-              <a:rPr lang="ja-JP" altLang="ja-JP" dirty="0" smtClean="0"/>
-              <a:t>出現</a:t>
+              <a:t>評価値の出現</a:t>
             </a:r>
             <a:r>
               <a:rPr lang="ja-JP" altLang="en-US" dirty="0"/>
@@ -12288,28 +12389,28 @@
                 <a:gridCol w="544313">
                   <a:extLst>
                     <a:ext uri="{9D8B030D-6E8A-4147-A177-3AD203B41FA5}">
-                      <a16:colId xmlns="" xmlns:a16="http://schemas.microsoft.com/office/drawing/2014/main" val="125810770"/>
+                      <a16:colId xmlns:a16="http://schemas.microsoft.com/office/drawing/2014/main" xmlns="" val="125810770"/>
                     </a:ext>
                   </a:extLst>
                 </a:gridCol>
                 <a:gridCol w="525097">
                   <a:extLst>
                     <a:ext uri="{9D8B030D-6E8A-4147-A177-3AD203B41FA5}">
-                      <a16:colId xmlns="" xmlns:a16="http://schemas.microsoft.com/office/drawing/2014/main" val="1854234981"/>
+                      <a16:colId xmlns:a16="http://schemas.microsoft.com/office/drawing/2014/main" xmlns="" val="1854234981"/>
                     </a:ext>
                   </a:extLst>
                 </a:gridCol>
                 <a:gridCol w="576064">
                   <a:extLst>
                     <a:ext uri="{9D8B030D-6E8A-4147-A177-3AD203B41FA5}">
-                      <a16:colId xmlns="" xmlns:a16="http://schemas.microsoft.com/office/drawing/2014/main" val="1240453315"/>
+                      <a16:colId xmlns:a16="http://schemas.microsoft.com/office/drawing/2014/main" xmlns="" val="1240453315"/>
                     </a:ext>
                   </a:extLst>
                 </a:gridCol>
                 <a:gridCol w="864095">
                   <a:extLst>
                     <a:ext uri="{9D8B030D-6E8A-4147-A177-3AD203B41FA5}">
-                      <a16:colId xmlns="" xmlns:a16="http://schemas.microsoft.com/office/drawing/2014/main" val="1249870157"/>
+                      <a16:colId xmlns:a16="http://schemas.microsoft.com/office/drawing/2014/main" xmlns="" val="1249870157"/>
                     </a:ext>
                   </a:extLst>
                 </a:gridCol>
@@ -12421,7 +12522,7 @@
                 </a:tc>
                 <a:extLst>
                   <a:ext uri="{0D108BD9-81ED-4DB2-BD59-A6C34878D82A}">
-                    <a16:rowId xmlns="" xmlns:a16="http://schemas.microsoft.com/office/drawing/2014/main" val="1803600203"/>
+                    <a16:rowId xmlns:a16="http://schemas.microsoft.com/office/drawing/2014/main" xmlns="" val="1803600203"/>
                   </a:ext>
                 </a:extLst>
               </a:tr>
@@ -12532,7 +12633,7 @@
                 </a:tc>
                 <a:extLst>
                   <a:ext uri="{0D108BD9-81ED-4DB2-BD59-A6C34878D82A}">
-                    <a16:rowId xmlns="" xmlns:a16="http://schemas.microsoft.com/office/drawing/2014/main" val="740428630"/>
+                    <a16:rowId xmlns:a16="http://schemas.microsoft.com/office/drawing/2014/main" xmlns="" val="740428630"/>
                   </a:ext>
                 </a:extLst>
               </a:tr>
@@ -12643,7 +12744,7 @@
                 </a:tc>
                 <a:extLst>
                   <a:ext uri="{0D108BD9-81ED-4DB2-BD59-A6C34878D82A}">
-                    <a16:rowId xmlns="" xmlns:a16="http://schemas.microsoft.com/office/drawing/2014/main" val="1684708200"/>
+                    <a16:rowId xmlns:a16="http://schemas.microsoft.com/office/drawing/2014/main" xmlns="" val="1684708200"/>
                   </a:ext>
                 </a:extLst>
               </a:tr>
@@ -12754,7 +12855,7 @@
                 </a:tc>
                 <a:extLst>
                   <a:ext uri="{0D108BD9-81ED-4DB2-BD59-A6C34878D82A}">
-                    <a16:rowId xmlns="" xmlns:a16="http://schemas.microsoft.com/office/drawing/2014/main" val="2851541780"/>
+                    <a16:rowId xmlns:a16="http://schemas.microsoft.com/office/drawing/2014/main" xmlns="" val="2851541780"/>
                   </a:ext>
                 </a:extLst>
               </a:tr>
@@ -12865,7 +12966,7 @@
                 </a:tc>
                 <a:extLst>
                   <a:ext uri="{0D108BD9-81ED-4DB2-BD59-A6C34878D82A}">
-                    <a16:rowId xmlns="" xmlns:a16="http://schemas.microsoft.com/office/drawing/2014/main" val="2555581225"/>
+                    <a16:rowId xmlns:a16="http://schemas.microsoft.com/office/drawing/2014/main" xmlns="" val="2555581225"/>
                   </a:ext>
                 </a:extLst>
               </a:tr>
@@ -13292,39 +13393,7 @@
                   </a:outerShdw>
                 </a:effectLst>
               </a:rPr>
-              <a:t>容量</a:t>
-            </a:r>
-            <a:r>
-              <a:rPr lang="ja-JP" altLang="en-US" cap="none" dirty="0" smtClean="0">
-                <a:ln w="0"/>
-                <a:solidFill>
-                  <a:schemeClr val="tx1"/>
-                </a:solidFill>
-                <a:effectLst>
-                  <a:outerShdw blurRad="38100" dist="19050" dir="2700000" algn="tl" rotWithShape="0">
-                    <a:schemeClr val="dk1">
-                      <a:alpha val="40000"/>
-                    </a:schemeClr>
-                  </a:outerShdw>
-                </a:effectLst>
-              </a:rPr>
-              <a:t>制約</a:t>
-            </a:r>
-            <a:r>
-              <a:rPr lang="ja-JP" altLang="en-US" cap="none" dirty="0" smtClean="0">
-                <a:ln w="0"/>
-                <a:solidFill>
-                  <a:schemeClr val="tx1"/>
-                </a:solidFill>
-                <a:effectLst>
-                  <a:outerShdw blurRad="38100" dist="19050" dir="2700000" algn="tl" rotWithShape="0">
-                    <a:schemeClr val="dk1">
-                      <a:alpha val="40000"/>
-                    </a:schemeClr>
-                  </a:outerShdw>
-                </a:effectLst>
-              </a:rPr>
-              <a:t>がない場合</a:t>
+              <a:t>容量制約がない場合</a:t>
             </a:r>
             <a:endParaRPr kumimoji="1" lang="ja-JP" altLang="en-US" dirty="0"/>
           </a:p>
@@ -13479,21 +13548,21 @@
                 <a:gridCol w="1835783">
                   <a:extLst>
                     <a:ext uri="{9D8B030D-6E8A-4147-A177-3AD203B41FA5}">
-                      <a16:colId xmlns="" xmlns:a16="http://schemas.microsoft.com/office/drawing/2014/main" val="20000"/>
+                      <a16:colId xmlns:a16="http://schemas.microsoft.com/office/drawing/2014/main" xmlns="" val="20000"/>
                     </a:ext>
                   </a:extLst>
                 </a:gridCol>
                 <a:gridCol w="1954290">
                   <a:extLst>
                     <a:ext uri="{9D8B030D-6E8A-4147-A177-3AD203B41FA5}">
-                      <a16:colId xmlns="" xmlns:a16="http://schemas.microsoft.com/office/drawing/2014/main" val="20001"/>
+                      <a16:colId xmlns:a16="http://schemas.microsoft.com/office/drawing/2014/main" xmlns="" val="20001"/>
                     </a:ext>
                   </a:extLst>
                 </a:gridCol>
                 <a:gridCol w="1466510">
                   <a:extLst>
                     <a:ext uri="{9D8B030D-6E8A-4147-A177-3AD203B41FA5}">
-                      <a16:colId xmlns="" xmlns:a16="http://schemas.microsoft.com/office/drawing/2014/main" val="20002"/>
+                      <a16:colId xmlns:a16="http://schemas.microsoft.com/office/drawing/2014/main" xmlns="" val="20002"/>
                     </a:ext>
                   </a:extLst>
                 </a:gridCol>
@@ -13597,7 +13666,7 @@
                 </a:tc>
                 <a:extLst>
                   <a:ext uri="{0D108BD9-81ED-4DB2-BD59-A6C34878D82A}">
-                    <a16:rowId xmlns="" xmlns:a16="http://schemas.microsoft.com/office/drawing/2014/main" val="10000"/>
+                    <a16:rowId xmlns:a16="http://schemas.microsoft.com/office/drawing/2014/main" xmlns="" val="10000"/>
                   </a:ext>
                 </a:extLst>
               </a:tr>
@@ -13682,7 +13751,7 @@
                 </a:tc>
                 <a:extLst>
                   <a:ext uri="{0D108BD9-81ED-4DB2-BD59-A6C34878D82A}">
-                    <a16:rowId xmlns="" xmlns:a16="http://schemas.microsoft.com/office/drawing/2014/main" val="10001"/>
+                    <a16:rowId xmlns:a16="http://schemas.microsoft.com/office/drawing/2014/main" xmlns="" val="10001"/>
                   </a:ext>
                 </a:extLst>
               </a:tr>
@@ -13767,7 +13836,7 @@
                 </a:tc>
                 <a:extLst>
                   <a:ext uri="{0D108BD9-81ED-4DB2-BD59-A6C34878D82A}">
-                    <a16:rowId xmlns="" xmlns:a16="http://schemas.microsoft.com/office/drawing/2014/main" val="10002"/>
+                    <a16:rowId xmlns:a16="http://schemas.microsoft.com/office/drawing/2014/main" xmlns="" val="10002"/>
                   </a:ext>
                 </a:extLst>
               </a:tr>
@@ -13856,7 +13925,7 @@
                 </a:tc>
                 <a:extLst>
                   <a:ext uri="{0D108BD9-81ED-4DB2-BD59-A6C34878D82A}">
-                    <a16:rowId xmlns="" xmlns:a16="http://schemas.microsoft.com/office/drawing/2014/main" val="10003"/>
+                    <a16:rowId xmlns:a16="http://schemas.microsoft.com/office/drawing/2014/main" xmlns="" val="10003"/>
                   </a:ext>
                 </a:extLst>
               </a:tr>
@@ -13941,7 +14010,7 @@
                 </a:tc>
                 <a:extLst>
                   <a:ext uri="{0D108BD9-81ED-4DB2-BD59-A6C34878D82A}">
-                    <a16:rowId xmlns="" xmlns:a16="http://schemas.microsoft.com/office/drawing/2014/main" val="10004"/>
+                    <a16:rowId xmlns:a16="http://schemas.microsoft.com/office/drawing/2014/main" xmlns="" val="10004"/>
                   </a:ext>
                 </a:extLst>
               </a:tr>
@@ -14026,7 +14095,7 @@
                 </a:tc>
                 <a:extLst>
                   <a:ext uri="{0D108BD9-81ED-4DB2-BD59-A6C34878D82A}">
-                    <a16:rowId xmlns="" xmlns:a16="http://schemas.microsoft.com/office/drawing/2014/main" val="10005"/>
+                    <a16:rowId xmlns:a16="http://schemas.microsoft.com/office/drawing/2014/main" xmlns="" val="10005"/>
                   </a:ext>
                 </a:extLst>
               </a:tr>
@@ -14111,7 +14180,7 @@
                 </a:tc>
                 <a:extLst>
                   <a:ext uri="{0D108BD9-81ED-4DB2-BD59-A6C34878D82A}">
-                    <a16:rowId xmlns="" xmlns:a16="http://schemas.microsoft.com/office/drawing/2014/main" val="10006"/>
+                    <a16:rowId xmlns:a16="http://schemas.microsoft.com/office/drawing/2014/main" xmlns="" val="10006"/>
                   </a:ext>
                 </a:extLst>
               </a:tr>
@@ -14196,7 +14265,7 @@
                 </a:tc>
                 <a:extLst>
                   <a:ext uri="{0D108BD9-81ED-4DB2-BD59-A6C34878D82A}">
-                    <a16:rowId xmlns="" xmlns:a16="http://schemas.microsoft.com/office/drawing/2014/main" val="10007"/>
+                    <a16:rowId xmlns:a16="http://schemas.microsoft.com/office/drawing/2014/main" xmlns="" val="10007"/>
                   </a:ext>
                 </a:extLst>
               </a:tr>
@@ -14281,7 +14350,7 @@
                 </a:tc>
                 <a:extLst>
                   <a:ext uri="{0D108BD9-81ED-4DB2-BD59-A6C34878D82A}">
-                    <a16:rowId xmlns="" xmlns:a16="http://schemas.microsoft.com/office/drawing/2014/main" val="10008"/>
+                    <a16:rowId xmlns:a16="http://schemas.microsoft.com/office/drawing/2014/main" xmlns="" val="10008"/>
                   </a:ext>
                 </a:extLst>
               </a:tr>
@@ -14366,7 +14435,7 @@
                 </a:tc>
                 <a:extLst>
                   <a:ext uri="{0D108BD9-81ED-4DB2-BD59-A6C34878D82A}">
-                    <a16:rowId xmlns="" xmlns:a16="http://schemas.microsoft.com/office/drawing/2014/main" val="10009"/>
+                    <a16:rowId xmlns:a16="http://schemas.microsoft.com/office/drawing/2014/main" xmlns="" val="10009"/>
                   </a:ext>
                 </a:extLst>
               </a:tr>
@@ -14451,7 +14520,7 @@
                 </a:tc>
                 <a:extLst>
                   <a:ext uri="{0D108BD9-81ED-4DB2-BD59-A6C34878D82A}">
-                    <a16:rowId xmlns="" xmlns:a16="http://schemas.microsoft.com/office/drawing/2014/main" val="10010"/>
+                    <a16:rowId xmlns:a16="http://schemas.microsoft.com/office/drawing/2014/main" xmlns="" val="10010"/>
                   </a:ext>
                 </a:extLst>
               </a:tr>
@@ -14785,11 +14854,11 @@
   <p:clrMapOvr>
     <a:masterClrMapping/>
   </p:clrMapOvr>
-  <mc:AlternateContent xmlns:mc="http://schemas.openxmlformats.org/markup-compatibility/2006" xmlns:p14="http://schemas.microsoft.com/office/powerpoint/2010/main">
-    <mc:Choice Requires="p14">
+  <mc:AlternateContent xmlns:mc="http://schemas.openxmlformats.org/markup-compatibility/2006">
+    <mc:Choice xmlns:p14="http://schemas.microsoft.com/office/powerpoint/2010/main" Requires="p14">
       <p:transition spd="slow" p14:dur="2000"/>
     </mc:Choice>
-    <mc:Fallback xmlns="">
+    <mc:Fallback>
       <p:transition spd="slow"/>
     </mc:Fallback>
   </mc:AlternateContent>
@@ -14884,11 +14953,7 @@
             </a:r>
             <a:r>
               <a:rPr lang="ja-JP" altLang="ja-JP" dirty="0" smtClean="0"/>
-              <a:t>評価値の</a:t>
-            </a:r>
-            <a:r>
-              <a:rPr lang="ja-JP" altLang="ja-JP" dirty="0" smtClean="0"/>
-              <a:t>出現</a:t>
+              <a:t>評価値の出現</a:t>
             </a:r>
             <a:r>
               <a:rPr lang="ja-JP" altLang="en-US" dirty="0"/>
@@ -15018,28 +15083,28 @@
                 <a:gridCol w="482600">
                   <a:extLst>
                     <a:ext uri="{9D8B030D-6E8A-4147-A177-3AD203B41FA5}">
-                      <a16:colId xmlns="" xmlns:a16="http://schemas.microsoft.com/office/drawing/2014/main" val="2548485830"/>
+                      <a16:colId xmlns:a16="http://schemas.microsoft.com/office/drawing/2014/main" xmlns="" val="2548485830"/>
                     </a:ext>
                   </a:extLst>
                 </a:gridCol>
                 <a:gridCol w="558800">
                   <a:extLst>
                     <a:ext uri="{9D8B030D-6E8A-4147-A177-3AD203B41FA5}">
-                      <a16:colId xmlns="" xmlns:a16="http://schemas.microsoft.com/office/drawing/2014/main" val="3389405756"/>
+                      <a16:colId xmlns:a16="http://schemas.microsoft.com/office/drawing/2014/main" xmlns="" val="3389405756"/>
                     </a:ext>
                   </a:extLst>
                 </a:gridCol>
                 <a:gridCol w="558800">
                   <a:extLst>
                     <a:ext uri="{9D8B030D-6E8A-4147-A177-3AD203B41FA5}">
-                      <a16:colId xmlns="" xmlns:a16="http://schemas.microsoft.com/office/drawing/2014/main" val="652689770"/>
+                      <a16:colId xmlns:a16="http://schemas.microsoft.com/office/drawing/2014/main" xmlns="" val="652689770"/>
                     </a:ext>
                   </a:extLst>
                 </a:gridCol>
                 <a:gridCol w="731520">
                   <a:extLst>
                     <a:ext uri="{9D8B030D-6E8A-4147-A177-3AD203B41FA5}">
-                      <a16:colId xmlns="" xmlns:a16="http://schemas.microsoft.com/office/drawing/2014/main" val="341285018"/>
+                      <a16:colId xmlns:a16="http://schemas.microsoft.com/office/drawing/2014/main" xmlns="" val="341285018"/>
                     </a:ext>
                   </a:extLst>
                 </a:gridCol>
@@ -15151,7 +15216,7 @@
                 </a:tc>
                 <a:extLst>
                   <a:ext uri="{0D108BD9-81ED-4DB2-BD59-A6C34878D82A}">
-                    <a16:rowId xmlns="" xmlns:a16="http://schemas.microsoft.com/office/drawing/2014/main" val="3836840545"/>
+                    <a16:rowId xmlns:a16="http://schemas.microsoft.com/office/drawing/2014/main" xmlns="" val="3836840545"/>
                   </a:ext>
                 </a:extLst>
               </a:tr>
@@ -15262,7 +15327,7 @@
                 </a:tc>
                 <a:extLst>
                   <a:ext uri="{0D108BD9-81ED-4DB2-BD59-A6C34878D82A}">
-                    <a16:rowId xmlns="" xmlns:a16="http://schemas.microsoft.com/office/drawing/2014/main" val="2292987451"/>
+                    <a16:rowId xmlns:a16="http://schemas.microsoft.com/office/drawing/2014/main" xmlns="" val="2292987451"/>
                   </a:ext>
                 </a:extLst>
               </a:tr>
@@ -15373,7 +15438,7 @@
                 </a:tc>
                 <a:extLst>
                   <a:ext uri="{0D108BD9-81ED-4DB2-BD59-A6C34878D82A}">
-                    <a16:rowId xmlns="" xmlns:a16="http://schemas.microsoft.com/office/drawing/2014/main" val="724833726"/>
+                    <a16:rowId xmlns:a16="http://schemas.microsoft.com/office/drawing/2014/main" xmlns="" val="724833726"/>
                   </a:ext>
                 </a:extLst>
               </a:tr>
@@ -15484,7 +15549,7 @@
                 </a:tc>
                 <a:extLst>
                   <a:ext uri="{0D108BD9-81ED-4DB2-BD59-A6C34878D82A}">
-                    <a16:rowId xmlns="" xmlns:a16="http://schemas.microsoft.com/office/drawing/2014/main" val="2952948651"/>
+                    <a16:rowId xmlns:a16="http://schemas.microsoft.com/office/drawing/2014/main" xmlns="" val="2952948651"/>
                   </a:ext>
                 </a:extLst>
               </a:tr>
@@ -15595,7 +15660,7 @@
                 </a:tc>
                 <a:extLst>
                   <a:ext uri="{0D108BD9-81ED-4DB2-BD59-A6C34878D82A}">
-                    <a16:rowId xmlns="" xmlns:a16="http://schemas.microsoft.com/office/drawing/2014/main" val="4170235799"/>
+                    <a16:rowId xmlns:a16="http://schemas.microsoft.com/office/drawing/2014/main" xmlns="" val="4170235799"/>
                   </a:ext>
                 </a:extLst>
               </a:tr>
@@ -15740,11 +15805,11 @@
   <p:clrMapOvr>
     <a:masterClrMapping/>
   </p:clrMapOvr>
-  <mc:AlternateContent xmlns:mc="http://schemas.openxmlformats.org/markup-compatibility/2006">
-    <mc:Choice xmlns:p14="http://schemas.microsoft.com/office/powerpoint/2010/main" Requires="p14">
+  <mc:AlternateContent xmlns:mc="http://schemas.openxmlformats.org/markup-compatibility/2006" xmlns:p14="http://schemas.microsoft.com/office/powerpoint/2010/main">
+    <mc:Choice Requires="p14">
       <p:transition spd="slow" p14:dur="2000"/>
     </mc:Choice>
-    <mc:Fallback>
+    <mc:Fallback xmlns="">
       <p:transition spd="slow"/>
     </mc:Fallback>
   </mc:AlternateContent>
@@ -16410,11 +16475,7 @@
             </a:r>
             <a:r>
               <a:rPr lang="ja-JP" altLang="ja-JP" dirty="0" smtClean="0"/>
-              <a:t>評価値の</a:t>
-            </a:r>
-            <a:r>
-              <a:rPr lang="ja-JP" altLang="ja-JP" dirty="0" smtClean="0"/>
-              <a:t>出現</a:t>
+              <a:t>評価値の出現</a:t>
             </a:r>
             <a:r>
               <a:rPr lang="ja-JP" altLang="en-US" dirty="0"/>
@@ -16544,28 +16605,28 @@
                 <a:gridCol w="482600">
                   <a:extLst>
                     <a:ext uri="{9D8B030D-6E8A-4147-A177-3AD203B41FA5}">
-                      <a16:colId xmlns="" xmlns:a16="http://schemas.microsoft.com/office/drawing/2014/main" val="2542229225"/>
+                      <a16:colId xmlns:a16="http://schemas.microsoft.com/office/drawing/2014/main" xmlns="" val="2542229225"/>
                     </a:ext>
                   </a:extLst>
                 </a:gridCol>
                 <a:gridCol w="558800">
                   <a:extLst>
                     <a:ext uri="{9D8B030D-6E8A-4147-A177-3AD203B41FA5}">
-                      <a16:colId xmlns="" xmlns:a16="http://schemas.microsoft.com/office/drawing/2014/main" val="200349121"/>
+                      <a16:colId xmlns:a16="http://schemas.microsoft.com/office/drawing/2014/main" xmlns="" val="200349121"/>
                     </a:ext>
                   </a:extLst>
                 </a:gridCol>
                 <a:gridCol w="558800">
                   <a:extLst>
                     <a:ext uri="{9D8B030D-6E8A-4147-A177-3AD203B41FA5}">
-                      <a16:colId xmlns="" xmlns:a16="http://schemas.microsoft.com/office/drawing/2014/main" val="1793476623"/>
+                      <a16:colId xmlns:a16="http://schemas.microsoft.com/office/drawing/2014/main" xmlns="" val="1793476623"/>
                     </a:ext>
                   </a:extLst>
                 </a:gridCol>
                 <a:gridCol w="731520">
                   <a:extLst>
                     <a:ext uri="{9D8B030D-6E8A-4147-A177-3AD203B41FA5}">
-                      <a16:colId xmlns="" xmlns:a16="http://schemas.microsoft.com/office/drawing/2014/main" val="1598074522"/>
+                      <a16:colId xmlns:a16="http://schemas.microsoft.com/office/drawing/2014/main" xmlns="" val="1598074522"/>
                     </a:ext>
                   </a:extLst>
                 </a:gridCol>
@@ -16677,7 +16738,7 @@
                 </a:tc>
                 <a:extLst>
                   <a:ext uri="{0D108BD9-81ED-4DB2-BD59-A6C34878D82A}">
-                    <a16:rowId xmlns="" xmlns:a16="http://schemas.microsoft.com/office/drawing/2014/main" val="1941903359"/>
+                    <a16:rowId xmlns:a16="http://schemas.microsoft.com/office/drawing/2014/main" xmlns="" val="1941903359"/>
                   </a:ext>
                 </a:extLst>
               </a:tr>
@@ -16788,7 +16849,7 @@
                 </a:tc>
                 <a:extLst>
                   <a:ext uri="{0D108BD9-81ED-4DB2-BD59-A6C34878D82A}">
-                    <a16:rowId xmlns="" xmlns:a16="http://schemas.microsoft.com/office/drawing/2014/main" val="2323479105"/>
+                    <a16:rowId xmlns:a16="http://schemas.microsoft.com/office/drawing/2014/main" xmlns="" val="2323479105"/>
                   </a:ext>
                 </a:extLst>
               </a:tr>
@@ -16899,7 +16960,7 @@
                 </a:tc>
                 <a:extLst>
                   <a:ext uri="{0D108BD9-81ED-4DB2-BD59-A6C34878D82A}">
-                    <a16:rowId xmlns="" xmlns:a16="http://schemas.microsoft.com/office/drawing/2014/main" val="1054565595"/>
+                    <a16:rowId xmlns:a16="http://schemas.microsoft.com/office/drawing/2014/main" xmlns="" val="1054565595"/>
                   </a:ext>
                 </a:extLst>
               </a:tr>
@@ -17010,7 +17071,7 @@
                 </a:tc>
                 <a:extLst>
                   <a:ext uri="{0D108BD9-81ED-4DB2-BD59-A6C34878D82A}">
-                    <a16:rowId xmlns="" xmlns:a16="http://schemas.microsoft.com/office/drawing/2014/main" val="4216025928"/>
+                    <a16:rowId xmlns:a16="http://schemas.microsoft.com/office/drawing/2014/main" xmlns="" val="4216025928"/>
                   </a:ext>
                 </a:extLst>
               </a:tr>
@@ -17121,7 +17182,7 @@
                 </a:tc>
                 <a:extLst>
                   <a:ext uri="{0D108BD9-81ED-4DB2-BD59-A6C34878D82A}">
-                    <a16:rowId xmlns="" xmlns:a16="http://schemas.microsoft.com/office/drawing/2014/main" val="1189435500"/>
+                    <a16:rowId xmlns:a16="http://schemas.microsoft.com/office/drawing/2014/main" xmlns="" val="1189435500"/>
                   </a:ext>
                 </a:extLst>
               </a:tr>
@@ -17593,11 +17654,7 @@
             </a:r>
             <a:r>
               <a:rPr lang="ja-JP" altLang="en-US" dirty="0" smtClean="0"/>
-              <a:t>を動的に変更すること</a:t>
-            </a:r>
-            <a:r>
-              <a:rPr lang="ja-JP" altLang="en-US" dirty="0" smtClean="0"/>
-              <a:t>に</a:t>
+              <a:t>を動的に変更することに</a:t>
             </a:r>
             <a:r>
               <a:rPr lang="ja-JP" altLang="en-US" dirty="0"/>
@@ -19024,7 +19081,7 @@
         <p:spPr bwMode="auto">
           <a:xfrm>
             <a:off x="2902629" y="2065626"/>
-            <a:ext cx="4176713" cy="646331"/>
+            <a:ext cx="5102488" cy="369332"/>
           </a:xfrm>
           <a:prstGeom prst="rect">
             <a:avLst/>
@@ -19038,7 +19095,7 @@
           </a:ln>
         </p:spPr>
         <p:txBody>
-          <a:bodyPr>
+          <a:bodyPr wrap="square">
             <a:spAutoFit/>
           </a:bodyPr>
           <a:lstStyle/>
@@ -19049,15 +19106,31 @@
             </a:r>
             <a:r>
               <a:rPr lang="ja-JP" altLang="en-US" dirty="0"/>
-              <a:t>　　     </a:t>
+              <a:t>　　   </a:t>
             </a:r>
             <a:r>
               <a:rPr lang="en-US" altLang="ja-JP" dirty="0"/>
+              <a:t> </a:t>
+            </a:r>
+            <a:r>
+              <a:rPr lang="en-US" altLang="ja-JP" dirty="0" smtClean="0"/>
               <a:t>2</a:t>
             </a:r>
             <a:r>
               <a:rPr lang="ja-JP" altLang="en-US" dirty="0"/>
-              <a:t>　　     </a:t>
+              <a:t>　</a:t>
+            </a:r>
+            <a:r>
+              <a:rPr lang="en-US" altLang="ja-JP" dirty="0"/>
+              <a:t> </a:t>
+            </a:r>
+            <a:r>
+              <a:rPr lang="en-US" altLang="ja-JP" dirty="0" smtClean="0"/>
+              <a:t>   </a:t>
+            </a:r>
+            <a:r>
+              <a:rPr lang="ja-JP" altLang="en-US" dirty="0" smtClean="0"/>
+              <a:t>    </a:t>
             </a:r>
             <a:r>
               <a:rPr lang="en-US" altLang="ja-JP" dirty="0"/>
@@ -19065,15 +19138,35 @@
             </a:r>
             <a:r>
               <a:rPr lang="ja-JP" altLang="en-US" dirty="0"/>
-              <a:t>　　    </a:t>
+              <a:t>　</a:t>
             </a:r>
             <a:r>
               <a:rPr lang="en-US" altLang="ja-JP" dirty="0"/>
+              <a:t> </a:t>
+            </a:r>
+            <a:r>
+              <a:rPr lang="en-US" altLang="ja-JP" dirty="0" smtClean="0"/>
+              <a:t>  </a:t>
+            </a:r>
+            <a:r>
+              <a:rPr lang="ja-JP" altLang="en-US" dirty="0" smtClean="0"/>
+              <a:t>   </a:t>
+            </a:r>
+            <a:r>
+              <a:rPr lang="en-US" altLang="ja-JP" dirty="0" smtClean="0"/>
               <a:t>4</a:t>
             </a:r>
             <a:r>
-              <a:rPr lang="ja-JP" altLang="en-US" dirty="0"/>
-              <a:t>　　     </a:t>
+              <a:rPr lang="en-US" altLang="ja-JP" dirty="0"/>
+              <a:t> </a:t>
+            </a:r>
+            <a:r>
+              <a:rPr lang="en-US" altLang="ja-JP" dirty="0" smtClean="0"/>
+              <a:t>        </a:t>
+            </a:r>
+            <a:r>
+              <a:rPr lang="ja-JP" altLang="en-US" dirty="0" smtClean="0"/>
+              <a:t>   </a:t>
             </a:r>
             <a:r>
               <a:rPr lang="en-US" altLang="ja-JP" dirty="0"/>
@@ -23300,7 +23393,27 @@
                   </a:schemeClr>
                 </a:solidFill>
               </a:rPr>
-              <a:t>　　     </a:t>
+              <a:t>　　   </a:t>
+            </a:r>
+            <a:r>
+              <a:rPr lang="en-US" altLang="ja-JP" dirty="0" smtClean="0">
+                <a:solidFill>
+                  <a:schemeClr val="accent1">
+                    <a:lumMod val="50000"/>
+                  </a:schemeClr>
+                </a:solidFill>
+              </a:rPr>
+              <a:t>3</a:t>
+            </a:r>
+            <a:r>
+              <a:rPr lang="ja-JP" altLang="en-US" dirty="0">
+                <a:solidFill>
+                  <a:schemeClr val="accent1">
+                    <a:lumMod val="50000"/>
+                  </a:schemeClr>
+                </a:solidFill>
+              </a:rPr>
+              <a:t>　</a:t>
             </a:r>
             <a:r>
               <a:rPr lang="en-US" altLang="ja-JP" dirty="0">
@@ -23310,17 +23423,37 @@
                   </a:schemeClr>
                 </a:solidFill>
               </a:rPr>
-              <a:t>3</a:t>
-            </a:r>
-            <a:r>
-              <a:rPr lang="ja-JP" altLang="en-US" dirty="0">
+              <a:t> </a:t>
+            </a:r>
+            <a:r>
+              <a:rPr lang="en-US" altLang="ja-JP" dirty="0" smtClean="0">
                 <a:solidFill>
                   <a:schemeClr val="accent1">
                     <a:lumMod val="50000"/>
                   </a:schemeClr>
                 </a:solidFill>
               </a:rPr>
-              <a:t>　　    </a:t>
+              <a:t>   </a:t>
+            </a:r>
+            <a:r>
+              <a:rPr lang="ja-JP" altLang="en-US" dirty="0" smtClean="0">
+                <a:solidFill>
+                  <a:schemeClr val="accent1">
+                    <a:lumMod val="50000"/>
+                  </a:schemeClr>
+                </a:solidFill>
+              </a:rPr>
+              <a:t>   </a:t>
+            </a:r>
+            <a:r>
+              <a:rPr lang="en-US" altLang="ja-JP" dirty="0" smtClean="0">
+                <a:solidFill>
+                  <a:schemeClr val="accent1">
+                    <a:lumMod val="50000"/>
+                  </a:schemeClr>
+                </a:solidFill>
+              </a:rPr>
+              <a:t>4</a:t>
             </a:r>
             <a:r>
               <a:rPr lang="en-US" altLang="ja-JP" dirty="0">
@@ -23330,17 +23463,27 @@
                   </a:schemeClr>
                 </a:solidFill>
               </a:rPr>
-              <a:t>4</a:t>
-            </a:r>
-            <a:r>
-              <a:rPr lang="ja-JP" altLang="en-US" dirty="0">
+              <a:t> </a:t>
+            </a:r>
+            <a:r>
+              <a:rPr lang="en-US" altLang="ja-JP" dirty="0" smtClean="0">
                 <a:solidFill>
                   <a:schemeClr val="accent1">
                     <a:lumMod val="50000"/>
                   </a:schemeClr>
                 </a:solidFill>
               </a:rPr>
-              <a:t>　　     </a:t>
+              <a:t>       </a:t>
+            </a:r>
+            <a:r>
+              <a:rPr lang="ja-JP" altLang="en-US" dirty="0" smtClean="0">
+                <a:solidFill>
+                  <a:schemeClr val="accent1">
+                    <a:lumMod val="50000"/>
+                  </a:schemeClr>
+                </a:solidFill>
+              </a:rPr>
+              <a:t>    </a:t>
             </a:r>
             <a:r>
               <a:rPr lang="en-US" altLang="ja-JP" dirty="0">
@@ -25473,7 +25616,7 @@
         <p:spPr bwMode="auto">
           <a:xfrm>
             <a:off x="2927351" y="2086434"/>
-            <a:ext cx="4392613" cy="646331"/>
+            <a:ext cx="5884140" cy="369332"/>
           </a:xfrm>
           <a:prstGeom prst="rect">
             <a:avLst/>
@@ -25510,7 +25653,17 @@
                   </a:schemeClr>
                 </a:solidFill>
               </a:rPr>
-              <a:t>　　     </a:t>
+              <a:t>　　  </a:t>
+            </a:r>
+            <a:r>
+              <a:rPr lang="ja-JP" altLang="en-US" dirty="0" smtClean="0">
+                <a:solidFill>
+                  <a:schemeClr val="accent1">
+                    <a:lumMod val="50000"/>
+                  </a:schemeClr>
+                </a:solidFill>
+              </a:rPr>
+              <a:t>  </a:t>
             </a:r>
             <a:r>
               <a:rPr lang="en-US" altLang="ja-JP" dirty="0">
@@ -25530,7 +25683,27 @@
                   </a:schemeClr>
                 </a:solidFill>
               </a:rPr>
-              <a:t>　　     </a:t>
+              <a:t>　</a:t>
+            </a:r>
+            <a:r>
+              <a:rPr lang="en-US" altLang="ja-JP" dirty="0" smtClean="0">
+                <a:solidFill>
+                  <a:schemeClr val="accent1">
+                    <a:lumMod val="50000"/>
+                  </a:schemeClr>
+                </a:solidFill>
+              </a:rPr>
+              <a:t>  </a:t>
+            </a:r>
+            <a:r>
+              <a:rPr lang="ja-JP" altLang="en-US" dirty="0" smtClean="0">
+                <a:solidFill>
+                  <a:schemeClr val="accent1">
+                    <a:lumMod val="50000"/>
+                  </a:schemeClr>
+                </a:solidFill>
+              </a:rPr>
+              <a:t>     </a:t>
             </a:r>
             <a:r>
               <a:rPr lang="en-US" altLang="ja-JP" dirty="0">
@@ -25550,7 +25723,37 @@
                   </a:schemeClr>
                 </a:solidFill>
               </a:rPr>
-              <a:t>　　    </a:t>
+              <a:t>　</a:t>
+            </a:r>
+            <a:r>
+              <a:rPr lang="en-US" altLang="ja-JP" dirty="0">
+                <a:solidFill>
+                  <a:schemeClr val="accent1">
+                    <a:lumMod val="50000"/>
+                  </a:schemeClr>
+                </a:solidFill>
+              </a:rPr>
+              <a:t> </a:t>
+            </a:r>
+            <a:r>
+              <a:rPr lang="en-US" altLang="ja-JP" dirty="0" smtClean="0">
+                <a:solidFill>
+                  <a:schemeClr val="accent1">
+                    <a:lumMod val="50000"/>
+                  </a:schemeClr>
+                </a:solidFill>
+              </a:rPr>
+              <a:t>    </a:t>
+            </a:r>
+            <a:r>
+              <a:rPr lang="ja-JP" altLang="en-US" dirty="0" smtClean="0">
+                <a:solidFill>
+                  <a:schemeClr val="accent1">
+                    <a:lumMod val="50000"/>
+                  </a:schemeClr>
+                </a:solidFill>
+              </a:rPr>
+              <a:t>   </a:t>
             </a:r>
             <a:r>
               <a:rPr lang="en-US" altLang="ja-JP" dirty="0">
@@ -25570,7 +25773,37 @@
                   </a:schemeClr>
                 </a:solidFill>
               </a:rPr>
-              <a:t>　　     </a:t>
+              <a:t>　</a:t>
+            </a:r>
+            <a:r>
+              <a:rPr lang="en-US" altLang="ja-JP" dirty="0">
+                <a:solidFill>
+                  <a:schemeClr val="accent1">
+                    <a:lumMod val="50000"/>
+                  </a:schemeClr>
+                </a:solidFill>
+              </a:rPr>
+              <a:t> </a:t>
+            </a:r>
+            <a:r>
+              <a:rPr lang="en-US" altLang="ja-JP" dirty="0" smtClean="0">
+                <a:solidFill>
+                  <a:schemeClr val="accent1">
+                    <a:lumMod val="50000"/>
+                  </a:schemeClr>
+                </a:solidFill>
+              </a:rPr>
+              <a:t>  </a:t>
+            </a:r>
+            <a:r>
+              <a:rPr lang="ja-JP" altLang="en-US" dirty="0" smtClean="0">
+                <a:solidFill>
+                  <a:schemeClr val="accent1">
+                    <a:lumMod val="50000"/>
+                  </a:schemeClr>
+                </a:solidFill>
+              </a:rPr>
+              <a:t>    </a:t>
             </a:r>
             <a:r>
               <a:rPr lang="en-US" altLang="ja-JP" dirty="0">
@@ -30681,14 +30914,14 @@
                 <a:gridCol w="3612557">
                   <a:extLst>
                     <a:ext uri="{9D8B030D-6E8A-4147-A177-3AD203B41FA5}">
-                      <a16:colId xmlns="" xmlns:a16="http://schemas.microsoft.com/office/drawing/2014/main" val="20000"/>
+                      <a16:colId xmlns:a16="http://schemas.microsoft.com/office/drawing/2014/main" xmlns="" val="20000"/>
                     </a:ext>
                   </a:extLst>
                 </a:gridCol>
                 <a:gridCol w="3600400">
                   <a:extLst>
                     <a:ext uri="{9D8B030D-6E8A-4147-A177-3AD203B41FA5}">
-                      <a16:colId xmlns="" xmlns:a16="http://schemas.microsoft.com/office/drawing/2014/main" val="20001"/>
+                      <a16:colId xmlns:a16="http://schemas.microsoft.com/office/drawing/2014/main" xmlns="" val="20001"/>
                     </a:ext>
                   </a:extLst>
                 </a:gridCol>
@@ -30724,7 +30957,7 @@
                 </a:tc>
                 <a:extLst>
                   <a:ext uri="{0D108BD9-81ED-4DB2-BD59-A6C34878D82A}">
-                    <a16:rowId xmlns="" xmlns:a16="http://schemas.microsoft.com/office/drawing/2014/main" val="10000"/>
+                    <a16:rowId xmlns:a16="http://schemas.microsoft.com/office/drawing/2014/main" xmlns="" val="10000"/>
                   </a:ext>
                 </a:extLst>
               </a:tr>
@@ -31015,7 +31248,7 @@
                 </a:tc>
                 <a:extLst>
                   <a:ext uri="{0D108BD9-81ED-4DB2-BD59-A6C34878D82A}">
-                    <a16:rowId xmlns="" xmlns:a16="http://schemas.microsoft.com/office/drawing/2014/main" val="10001"/>
+                    <a16:rowId xmlns:a16="http://schemas.microsoft.com/office/drawing/2014/main" xmlns="" val="10001"/>
                   </a:ext>
                 </a:extLst>
               </a:tr>
@@ -32718,21 +32951,21 @@
                 <a:gridCol w="2415436">
                   <a:extLst>
                     <a:ext uri="{9D8B030D-6E8A-4147-A177-3AD203B41FA5}">
-                      <a16:colId xmlns="" xmlns:a16="http://schemas.microsoft.com/office/drawing/2014/main" val="20000"/>
+                      <a16:colId xmlns:a16="http://schemas.microsoft.com/office/drawing/2014/main" xmlns="" val="20000"/>
                     </a:ext>
                   </a:extLst>
                 </a:gridCol>
                 <a:gridCol w="1645613">
                   <a:extLst>
                     <a:ext uri="{9D8B030D-6E8A-4147-A177-3AD203B41FA5}">
-                      <a16:colId xmlns="" xmlns:a16="http://schemas.microsoft.com/office/drawing/2014/main" val="20001"/>
+                      <a16:colId xmlns:a16="http://schemas.microsoft.com/office/drawing/2014/main" xmlns="" val="20001"/>
                     </a:ext>
                   </a:extLst>
                 </a:gridCol>
                 <a:gridCol w="2147400">
                   <a:extLst>
                     <a:ext uri="{9D8B030D-6E8A-4147-A177-3AD203B41FA5}">
-                      <a16:colId xmlns="" xmlns:a16="http://schemas.microsoft.com/office/drawing/2014/main" val="20002"/>
+                      <a16:colId xmlns:a16="http://schemas.microsoft.com/office/drawing/2014/main" xmlns="" val="20002"/>
                     </a:ext>
                   </a:extLst>
                 </a:gridCol>
@@ -32830,7 +33063,7 @@
                 </a:tc>
                 <a:extLst>
                   <a:ext uri="{0D108BD9-81ED-4DB2-BD59-A6C34878D82A}">
-                    <a16:rowId xmlns="" xmlns:a16="http://schemas.microsoft.com/office/drawing/2014/main" val="10000"/>
+                    <a16:rowId xmlns:a16="http://schemas.microsoft.com/office/drawing/2014/main" xmlns="" val="10000"/>
                   </a:ext>
                 </a:extLst>
               </a:tr>
@@ -32915,7 +33148,7 @@
                 </a:tc>
                 <a:extLst>
                   <a:ext uri="{0D108BD9-81ED-4DB2-BD59-A6C34878D82A}">
-                    <a16:rowId xmlns="" xmlns:a16="http://schemas.microsoft.com/office/drawing/2014/main" val="10001"/>
+                    <a16:rowId xmlns:a16="http://schemas.microsoft.com/office/drawing/2014/main" xmlns="" val="10001"/>
                   </a:ext>
                 </a:extLst>
               </a:tr>
@@ -33000,7 +33233,7 @@
                 </a:tc>
                 <a:extLst>
                   <a:ext uri="{0D108BD9-81ED-4DB2-BD59-A6C34878D82A}">
-                    <a16:rowId xmlns="" xmlns:a16="http://schemas.microsoft.com/office/drawing/2014/main" val="10002"/>
+                    <a16:rowId xmlns:a16="http://schemas.microsoft.com/office/drawing/2014/main" xmlns="" val="10002"/>
                   </a:ext>
                 </a:extLst>
               </a:tr>
@@ -33085,7 +33318,7 @@
                 </a:tc>
                 <a:extLst>
                   <a:ext uri="{0D108BD9-81ED-4DB2-BD59-A6C34878D82A}">
-                    <a16:rowId xmlns="" xmlns:a16="http://schemas.microsoft.com/office/drawing/2014/main" val="10003"/>
+                    <a16:rowId xmlns:a16="http://schemas.microsoft.com/office/drawing/2014/main" xmlns="" val="10003"/>
                   </a:ext>
                 </a:extLst>
               </a:tr>
@@ -33170,7 +33403,7 @@
                 </a:tc>
                 <a:extLst>
                   <a:ext uri="{0D108BD9-81ED-4DB2-BD59-A6C34878D82A}">
-                    <a16:rowId xmlns="" xmlns:a16="http://schemas.microsoft.com/office/drawing/2014/main" val="10004"/>
+                    <a16:rowId xmlns:a16="http://schemas.microsoft.com/office/drawing/2014/main" xmlns="" val="10004"/>
                   </a:ext>
                 </a:extLst>
               </a:tr>
@@ -33255,7 +33488,7 @@
                 </a:tc>
                 <a:extLst>
                   <a:ext uri="{0D108BD9-81ED-4DB2-BD59-A6C34878D82A}">
-                    <a16:rowId xmlns="" xmlns:a16="http://schemas.microsoft.com/office/drawing/2014/main" val="10005"/>
+                    <a16:rowId xmlns:a16="http://schemas.microsoft.com/office/drawing/2014/main" xmlns="" val="10005"/>
                   </a:ext>
                 </a:extLst>
               </a:tr>
@@ -33412,21 +33645,21 @@
                 <a:gridCol w="1835783">
                   <a:extLst>
                     <a:ext uri="{9D8B030D-6E8A-4147-A177-3AD203B41FA5}">
-                      <a16:colId xmlns="" xmlns:a16="http://schemas.microsoft.com/office/drawing/2014/main" val="20000"/>
+                      <a16:colId xmlns:a16="http://schemas.microsoft.com/office/drawing/2014/main" xmlns="" val="20000"/>
                     </a:ext>
                   </a:extLst>
                 </a:gridCol>
                 <a:gridCol w="1954290">
                   <a:extLst>
                     <a:ext uri="{9D8B030D-6E8A-4147-A177-3AD203B41FA5}">
-                      <a16:colId xmlns="" xmlns:a16="http://schemas.microsoft.com/office/drawing/2014/main" val="20001"/>
+                      <a16:colId xmlns:a16="http://schemas.microsoft.com/office/drawing/2014/main" xmlns="" val="20001"/>
                     </a:ext>
                   </a:extLst>
                 </a:gridCol>
                 <a:gridCol w="1466510">
                   <a:extLst>
                     <a:ext uri="{9D8B030D-6E8A-4147-A177-3AD203B41FA5}">
-                      <a16:colId xmlns="" xmlns:a16="http://schemas.microsoft.com/office/drawing/2014/main" val="20002"/>
+                      <a16:colId xmlns:a16="http://schemas.microsoft.com/office/drawing/2014/main" xmlns="" val="20002"/>
                     </a:ext>
                   </a:extLst>
                 </a:gridCol>
@@ -33530,7 +33763,7 @@
                 </a:tc>
                 <a:extLst>
                   <a:ext uri="{0D108BD9-81ED-4DB2-BD59-A6C34878D82A}">
-                    <a16:rowId xmlns="" xmlns:a16="http://schemas.microsoft.com/office/drawing/2014/main" val="10000"/>
+                    <a16:rowId xmlns:a16="http://schemas.microsoft.com/office/drawing/2014/main" xmlns="" val="10000"/>
                   </a:ext>
                 </a:extLst>
               </a:tr>
@@ -33615,7 +33848,7 @@
                 </a:tc>
                 <a:extLst>
                   <a:ext uri="{0D108BD9-81ED-4DB2-BD59-A6C34878D82A}">
-                    <a16:rowId xmlns="" xmlns:a16="http://schemas.microsoft.com/office/drawing/2014/main" val="10001"/>
+                    <a16:rowId xmlns:a16="http://schemas.microsoft.com/office/drawing/2014/main" xmlns="" val="10001"/>
                   </a:ext>
                 </a:extLst>
               </a:tr>
@@ -33700,7 +33933,7 @@
                 </a:tc>
                 <a:extLst>
                   <a:ext uri="{0D108BD9-81ED-4DB2-BD59-A6C34878D82A}">
-                    <a16:rowId xmlns="" xmlns:a16="http://schemas.microsoft.com/office/drawing/2014/main" val="10002"/>
+                    <a16:rowId xmlns:a16="http://schemas.microsoft.com/office/drawing/2014/main" xmlns="" val="10002"/>
                   </a:ext>
                 </a:extLst>
               </a:tr>
@@ -33789,7 +34022,7 @@
                 </a:tc>
                 <a:extLst>
                   <a:ext uri="{0D108BD9-81ED-4DB2-BD59-A6C34878D82A}">
-                    <a16:rowId xmlns="" xmlns:a16="http://schemas.microsoft.com/office/drawing/2014/main" val="10003"/>
+                    <a16:rowId xmlns:a16="http://schemas.microsoft.com/office/drawing/2014/main" xmlns="" val="10003"/>
                   </a:ext>
                 </a:extLst>
               </a:tr>
@@ -33874,7 +34107,7 @@
                 </a:tc>
                 <a:extLst>
                   <a:ext uri="{0D108BD9-81ED-4DB2-BD59-A6C34878D82A}">
-                    <a16:rowId xmlns="" xmlns:a16="http://schemas.microsoft.com/office/drawing/2014/main" val="10004"/>
+                    <a16:rowId xmlns:a16="http://schemas.microsoft.com/office/drawing/2014/main" xmlns="" val="10004"/>
                   </a:ext>
                 </a:extLst>
               </a:tr>
@@ -33959,7 +34192,7 @@
                 </a:tc>
                 <a:extLst>
                   <a:ext uri="{0D108BD9-81ED-4DB2-BD59-A6C34878D82A}">
-                    <a16:rowId xmlns="" xmlns:a16="http://schemas.microsoft.com/office/drawing/2014/main" val="10005"/>
+                    <a16:rowId xmlns:a16="http://schemas.microsoft.com/office/drawing/2014/main" xmlns="" val="10005"/>
                   </a:ext>
                 </a:extLst>
               </a:tr>
@@ -34044,7 +34277,7 @@
                 </a:tc>
                 <a:extLst>
                   <a:ext uri="{0D108BD9-81ED-4DB2-BD59-A6C34878D82A}">
-                    <a16:rowId xmlns="" xmlns:a16="http://schemas.microsoft.com/office/drawing/2014/main" val="10006"/>
+                    <a16:rowId xmlns:a16="http://schemas.microsoft.com/office/drawing/2014/main" xmlns="" val="10006"/>
                   </a:ext>
                 </a:extLst>
               </a:tr>
@@ -34129,7 +34362,7 @@
                 </a:tc>
                 <a:extLst>
                   <a:ext uri="{0D108BD9-81ED-4DB2-BD59-A6C34878D82A}">
-                    <a16:rowId xmlns="" xmlns:a16="http://schemas.microsoft.com/office/drawing/2014/main" val="10007"/>
+                    <a16:rowId xmlns:a16="http://schemas.microsoft.com/office/drawing/2014/main" xmlns="" val="10007"/>
                   </a:ext>
                 </a:extLst>
               </a:tr>
@@ -34214,7 +34447,7 @@
                 </a:tc>
                 <a:extLst>
                   <a:ext uri="{0D108BD9-81ED-4DB2-BD59-A6C34878D82A}">
-                    <a16:rowId xmlns="" xmlns:a16="http://schemas.microsoft.com/office/drawing/2014/main" val="10008"/>
+                    <a16:rowId xmlns:a16="http://schemas.microsoft.com/office/drawing/2014/main" xmlns="" val="10008"/>
                   </a:ext>
                 </a:extLst>
               </a:tr>
@@ -34299,7 +34532,7 @@
                 </a:tc>
                 <a:extLst>
                   <a:ext uri="{0D108BD9-81ED-4DB2-BD59-A6C34878D82A}">
-                    <a16:rowId xmlns="" xmlns:a16="http://schemas.microsoft.com/office/drawing/2014/main" val="10009"/>
+                    <a16:rowId xmlns:a16="http://schemas.microsoft.com/office/drawing/2014/main" xmlns="" val="10009"/>
                   </a:ext>
                 </a:extLst>
               </a:tr>
@@ -34384,7 +34617,7 @@
                 </a:tc>
                 <a:extLst>
                   <a:ext uri="{0D108BD9-81ED-4DB2-BD59-A6C34878D82A}">
-                    <a16:rowId xmlns="" xmlns:a16="http://schemas.microsoft.com/office/drawing/2014/main" val="10010"/>
+                    <a16:rowId xmlns:a16="http://schemas.microsoft.com/office/drawing/2014/main" xmlns="" val="10010"/>
                   </a:ext>
                 </a:extLst>
               </a:tr>
